--- a/presentations/0508.pptx
+++ b/presentations/0508.pptx
@@ -1176,7 +1176,7 @@
           <a:p>
             <a:r>
               <a:rPr lang="de-DE"/>
-              <a:t>Michael Sorg</a:t>
+              <a:t>NLP for Opinion Mining | Group 6 | Michael Sorg</a:t>
             </a:r>
             <a:endParaRPr lang="en-US" dirty="0"/>
           </a:p>
@@ -1303,7 +1303,7 @@
           <a:p>
             <a:r>
               <a:rPr lang="de-DE" noProof="0"/>
-              <a:t>Michael Sorg</a:t>
+              <a:t>NLP for Opinion Mining | Group 6 | Michael Sorg</a:t>
             </a:r>
           </a:p>
         </p:txBody>
@@ -1543,7 +1543,7 @@
           <a:p>
             <a:r>
               <a:rPr lang="de-DE"/>
-              <a:t>Michael Sorg</a:t>
+              <a:t>NLP for Opinion Mining | Group 6 | Michael Sorg</a:t>
             </a:r>
             <a:endParaRPr lang="en-US" dirty="0"/>
           </a:p>
@@ -1692,7 +1692,7 @@
           <a:p>
             <a:r>
               <a:rPr lang="de-DE"/>
-              <a:t>Michael Sorg</a:t>
+              <a:t>NLP for Opinion Mining | Group 6 | Michael Sorg</a:t>
             </a:r>
             <a:endParaRPr lang="en-US" dirty="0"/>
           </a:p>
@@ -1857,7 +1857,7 @@
           <a:p>
             <a:r>
               <a:rPr lang="de-DE"/>
-              <a:t>Michael Sorg</a:t>
+              <a:t>NLP for Opinion Mining | Group 6 | Michael Sorg</a:t>
             </a:r>
             <a:endParaRPr lang="en-US" dirty="0"/>
           </a:p>
@@ -2066,7 +2066,7 @@
           <a:p>
             <a:r>
               <a:rPr lang="de-DE"/>
-              <a:t>Michael Sorg</a:t>
+              <a:t>NLP for Opinion Mining | Group 6 | Michael Sorg</a:t>
             </a:r>
             <a:endParaRPr lang="en-US" dirty="0"/>
           </a:p>
@@ -2322,7 +2322,7 @@
           <a:p>
             <a:r>
               <a:rPr lang="de-DE"/>
-              <a:t>Michael Sorg</a:t>
+              <a:t>NLP for Opinion Mining | Group 6 | Michael Sorg</a:t>
             </a:r>
             <a:endParaRPr lang="en-US" dirty="0"/>
           </a:p>
@@ -2571,7 +2571,7 @@
           <a:p>
             <a:r>
               <a:rPr lang="de-DE"/>
-              <a:t>Michael Sorg</a:t>
+              <a:t>NLP for Opinion Mining | Group 6 | Michael Sorg</a:t>
             </a:r>
             <a:endParaRPr lang="en-US" dirty="0"/>
           </a:p>
@@ -2770,7 +2770,7 @@
           <a:p>
             <a:r>
               <a:rPr lang="de-DE"/>
-              <a:t>Michael Sorg</a:t>
+              <a:t>NLP for Opinion Mining | Group 6 | Michael Sorg</a:t>
             </a:r>
             <a:endParaRPr lang="en-US" dirty="0"/>
           </a:p>
@@ -2967,7 +2967,7 @@
           <a:p>
             <a:r>
               <a:rPr lang="de-DE"/>
-              <a:t>Michael Sorg</a:t>
+              <a:t>NLP for Opinion Mining | Group 6 | Michael Sorg</a:t>
             </a:r>
             <a:endParaRPr lang="en-US" dirty="0"/>
           </a:p>
@@ -3286,7 +3286,7 @@
           <a:p>
             <a:r>
               <a:rPr lang="de-DE"/>
-              <a:t>Michael Sorg</a:t>
+              <a:t>NLP for Opinion Mining | Group 6 | Michael Sorg</a:t>
             </a:r>
             <a:endParaRPr lang="en-US" dirty="0"/>
           </a:p>
@@ -3462,7 +3462,7 @@
           <a:p>
             <a:r>
               <a:rPr lang="de-DE" noProof="0"/>
-              <a:t>Michael Sorg</a:t>
+              <a:t>NLP for Opinion Mining | Group 6 | Michael Sorg</a:t>
             </a:r>
           </a:p>
         </p:txBody>
@@ -3727,7 +3727,7 @@
           <a:p>
             <a:r>
               <a:rPr lang="de-DE" noProof="0"/>
-              <a:t>Michael Sorg</a:t>
+              <a:t>NLP for Opinion Mining | Group 6 | Michael Sorg</a:t>
             </a:r>
           </a:p>
         </p:txBody>
@@ -3945,7 +3945,7 @@
           <a:p>
             <a:r>
               <a:rPr lang="de-DE"/>
-              <a:t>Michael Sorg</a:t>
+              <a:t>NLP for Opinion Mining | Group 6 | Michael Sorg</a:t>
             </a:r>
             <a:endParaRPr lang="en-US" dirty="0"/>
           </a:p>
@@ -4021,7 +4021,7 @@
   <p:sldLayoutIdLst>
     <p:sldLayoutId id="2147483664" r:id="rId1"/>
   </p:sldLayoutIdLst>
-  <p:hf hdr="0"/>
+  <p:hf sldNum="0" hdr="0" dt="0"/>
   <p:txStyles>
     <p:titleStyle>
       <a:lvl1pPr algn="l" rtl="0" eaLnBrk="1" fontAlgn="base" hangingPunct="1">
@@ -4617,7 +4617,7 @@
           <a:p>
             <a:r>
               <a:rPr lang="de-DE"/>
-              <a:t>Michael Sorg</a:t>
+              <a:t>NLP for Opinion Mining | Group 6 | Michael Sorg</a:t>
             </a:r>
             <a:endParaRPr lang="en-US" dirty="0"/>
           </a:p>
@@ -4629,7 +4629,7 @@
   <p:sldLayoutIdLst>
     <p:sldLayoutId id="2147483669" r:id="rId1"/>
   </p:sldLayoutIdLst>
-  <p:hf hdr="0"/>
+  <p:hf sldNum="0" hdr="0" dt="0"/>
   <p:txStyles>
     <p:titleStyle>
       <a:lvl1pPr algn="l" rtl="0" eaLnBrk="0" fontAlgn="base" hangingPunct="0">
@@ -5131,7 +5131,7 @@
           <a:p>
             <a:r>
               <a:rPr lang="de-DE"/>
-              <a:t>Michael Sorg</a:t>
+              <a:t>NLP for Opinion Mining | Group 6 | Michael Sorg</a:t>
             </a:r>
             <a:endParaRPr lang="en-US" dirty="0"/>
           </a:p>
@@ -5253,7 +5253,7 @@
   <p:sldLayoutIdLst>
     <p:sldLayoutId id="2147483675" r:id="rId1"/>
   </p:sldLayoutIdLst>
-  <p:hf hdr="0"/>
+  <p:hf sldNum="0" hdr="0" dt="0"/>
   <p:txStyles>
     <p:titleStyle>
       <a:lvl1pPr algn="l" rtl="0" eaLnBrk="0" fontAlgn="base" hangingPunct="0">
@@ -5779,7 +5779,7 @@
           <a:p>
             <a:r>
               <a:rPr lang="de-DE"/>
-              <a:t>Michael Sorg</a:t>
+              <a:t>NLP for Opinion Mining | Group 6 | Michael Sorg</a:t>
             </a:r>
             <a:endParaRPr lang="en-US" dirty="0"/>
           </a:p>
@@ -5798,7 +5798,7 @@
     <p:sldLayoutId id="2147483653" r:id="rId7"/>
     <p:sldLayoutId id="2147483656" r:id="rId8"/>
   </p:sldLayoutIdLst>
-  <p:hf hdr="0"/>
+  <p:hf sldNum="0" hdr="0" dt="0"/>
   <p:txStyles>
     <p:titleStyle>
       <a:lvl1pPr algn="l" rtl="0" eaLnBrk="0" fontAlgn="base" hangingPunct="0">
@@ -6376,7 +6376,7 @@
           <a:p>
             <a:r>
               <a:rPr lang="de-DE"/>
-              <a:t>Michael Sorg</a:t>
+              <a:t>NLP for Opinion Mining | Group 6 | Michael Sorg</a:t>
             </a:r>
             <a:endParaRPr lang="en-US" dirty="0"/>
           </a:p>
@@ -6388,7 +6388,7 @@
   <p:sldLayoutIdLst>
     <p:sldLayoutId id="2147483685" r:id="rId1"/>
   </p:sldLayoutIdLst>
-  <p:hf hdr="0"/>
+  <p:hf sldNum="0" hdr="0" dt="0"/>
   <p:txStyles>
     <p:titleStyle>
       <a:lvl1pPr algn="l" rtl="0" eaLnBrk="0" fontAlgn="base" hangingPunct="0">
@@ -6973,7 +6973,7 @@
           <a:p>
             <a:r>
               <a:rPr lang="de-DE"/>
-              <a:t>Michael Sorg</a:t>
+              <a:t>NLP for Opinion Mining | Group 6 | Michael Sorg</a:t>
             </a:r>
             <a:endParaRPr lang="en-US" dirty="0"/>
           </a:p>
@@ -6985,7 +6985,7 @@
   <p:sldLayoutIdLst>
     <p:sldLayoutId id="2147483698" r:id="rId1"/>
   </p:sldLayoutIdLst>
-  <p:hf hdr="0"/>
+  <p:hf sldNum="0" hdr="0" dt="0"/>
   <p:txStyles>
     <p:titleStyle>
       <a:lvl1pPr algn="l" rtl="0" eaLnBrk="0" fontAlgn="base" hangingPunct="0">
@@ -7477,6 +7477,12 @@
           <a:p>
             <a:r>
               <a:rPr lang="en-GB" noProof="0" dirty="0"/>
+              <a:t>Team 06</a:t>
+            </a:r>
+          </a:p>
+          <a:p>
+            <a:r>
+              <a:rPr lang="en-GB" noProof="0" dirty="0"/>
               <a:t>Michael Sorg</a:t>
             </a:r>
           </a:p>
@@ -7548,36 +7554,6 @@
       </p:sp>
       <p:sp>
         <p:nvSpPr>
-          <p:cNvPr id="4" name="Foliennummernplatzhalter 3">
-            <a:extLst>
-              <a:ext uri="{FF2B5EF4-FFF2-40B4-BE49-F238E27FC236}">
-                <a16:creationId xmlns:a16="http://schemas.microsoft.com/office/drawing/2014/main" id="{D1EFE47B-7124-4079-904B-98D17D74EB3B}"/>
-              </a:ext>
-            </a:extLst>
-          </p:cNvPr>
-          <p:cNvSpPr>
-            <a:spLocks noGrp="1"/>
-          </p:cNvSpPr>
-          <p:nvPr>
-            <p:ph type="sldNum" sz="quarter" idx="11"/>
-          </p:nvPr>
-        </p:nvSpPr>
-        <p:spPr/>
-        <p:txBody>
-          <a:bodyPr/>
-          <a:lstStyle/>
-          <a:p>
-            <a:fld id="{CE58CB1E-F828-4F11-99E0-327109AF9DA4}" type="slidenum">
-              <a:rPr lang="de-DE" smtClean="0"/>
-              <a:pPr/>
-              <a:t>2</a:t>
-            </a:fld>
-            <a:endParaRPr lang="de-DE" dirty="0"/>
-          </a:p>
-        </p:txBody>
-      </p:sp>
-      <p:sp>
-        <p:nvSpPr>
           <p:cNvPr id="5" name="Fußzeilenplatzhalter 4">
             <a:extLst>
               <a:ext uri="{FF2B5EF4-FFF2-40B4-BE49-F238E27FC236}">
@@ -7598,8 +7574,8 @@
           <a:lstStyle/>
           <a:p>
             <a:r>
-              <a:rPr lang="de-DE" dirty="0"/>
-              <a:t>Michael Sorg</a:t>
+              <a:rPr lang="de-DE"/>
+              <a:t>NLP for Opinion Mining | Group 6 | Michael Sorg</a:t>
             </a:r>
             <a:endParaRPr lang="en-US" dirty="0"/>
           </a:p>
@@ -7772,36 +7748,6 @@
       </p:sp>
       <p:sp>
         <p:nvSpPr>
-          <p:cNvPr id="4" name="Foliennummernplatzhalter 3">
-            <a:extLst>
-              <a:ext uri="{FF2B5EF4-FFF2-40B4-BE49-F238E27FC236}">
-                <a16:creationId xmlns:a16="http://schemas.microsoft.com/office/drawing/2014/main" id="{D1EFE47B-7124-4079-904B-98D17D74EB3B}"/>
-              </a:ext>
-            </a:extLst>
-          </p:cNvPr>
-          <p:cNvSpPr>
-            <a:spLocks noGrp="1"/>
-          </p:cNvSpPr>
-          <p:nvPr>
-            <p:ph type="sldNum" sz="quarter" idx="11"/>
-          </p:nvPr>
-        </p:nvSpPr>
-        <p:spPr/>
-        <p:txBody>
-          <a:bodyPr/>
-          <a:lstStyle/>
-          <a:p>
-            <a:fld id="{CE58CB1E-F828-4F11-99E0-327109AF9DA4}" type="slidenum">
-              <a:rPr lang="de-DE" smtClean="0"/>
-              <a:pPr/>
-              <a:t>3</a:t>
-            </a:fld>
-            <a:endParaRPr lang="de-DE" dirty="0"/>
-          </a:p>
-        </p:txBody>
-      </p:sp>
-      <p:sp>
-        <p:nvSpPr>
           <p:cNvPr id="5" name="Fußzeilenplatzhalter 4">
             <a:extLst>
               <a:ext uri="{FF2B5EF4-FFF2-40B4-BE49-F238E27FC236}">
@@ -7822,8 +7768,8 @@
           <a:lstStyle/>
           <a:p>
             <a:r>
-              <a:rPr lang="de-DE" dirty="0"/>
-              <a:t>Michael Sorg</a:t>
+              <a:rPr lang="de-DE"/>
+              <a:t>NLP for Opinion Mining | Group 6 | Michael Sorg</a:t>
             </a:r>
             <a:endParaRPr lang="en-US" dirty="0"/>
           </a:p>
@@ -8652,36 +8598,6 @@
       </p:sp>
       <p:sp>
         <p:nvSpPr>
-          <p:cNvPr id="4" name="Foliennummernplatzhalter 3">
-            <a:extLst>
-              <a:ext uri="{FF2B5EF4-FFF2-40B4-BE49-F238E27FC236}">
-                <a16:creationId xmlns:a16="http://schemas.microsoft.com/office/drawing/2014/main" id="{D1EFE47B-7124-4079-904B-98D17D74EB3B}"/>
-              </a:ext>
-            </a:extLst>
-          </p:cNvPr>
-          <p:cNvSpPr>
-            <a:spLocks noGrp="1"/>
-          </p:cNvSpPr>
-          <p:nvPr>
-            <p:ph type="sldNum" sz="quarter" idx="11"/>
-          </p:nvPr>
-        </p:nvSpPr>
-        <p:spPr/>
-        <p:txBody>
-          <a:bodyPr/>
-          <a:lstStyle/>
-          <a:p>
-            <a:fld id="{CE58CB1E-F828-4F11-99E0-327109AF9DA4}" type="slidenum">
-              <a:rPr lang="de-DE" smtClean="0"/>
-              <a:pPr/>
-              <a:t>4</a:t>
-            </a:fld>
-            <a:endParaRPr lang="de-DE" dirty="0"/>
-          </a:p>
-        </p:txBody>
-      </p:sp>
-      <p:sp>
-        <p:nvSpPr>
           <p:cNvPr id="5" name="Fußzeilenplatzhalter 4">
             <a:extLst>
               <a:ext uri="{FF2B5EF4-FFF2-40B4-BE49-F238E27FC236}">
@@ -8702,8 +8618,8 @@
           <a:lstStyle/>
           <a:p>
             <a:r>
-              <a:rPr lang="de-DE" dirty="0"/>
-              <a:t>Michael Sorg</a:t>
+              <a:rPr lang="de-DE"/>
+              <a:t>NLP for Opinion Mining | Group 6 | Michael Sorg</a:t>
             </a:r>
             <a:endParaRPr lang="en-US" dirty="0"/>
           </a:p>
@@ -9624,36 +9540,6 @@
       </p:sp>
       <p:sp>
         <p:nvSpPr>
-          <p:cNvPr id="4" name="Foliennummernplatzhalter 3">
-            <a:extLst>
-              <a:ext uri="{FF2B5EF4-FFF2-40B4-BE49-F238E27FC236}">
-                <a16:creationId xmlns:a16="http://schemas.microsoft.com/office/drawing/2014/main" id="{D1EFE47B-7124-4079-904B-98D17D74EB3B}"/>
-              </a:ext>
-            </a:extLst>
-          </p:cNvPr>
-          <p:cNvSpPr>
-            <a:spLocks noGrp="1"/>
-          </p:cNvSpPr>
-          <p:nvPr>
-            <p:ph type="sldNum" sz="quarter" idx="11"/>
-          </p:nvPr>
-        </p:nvSpPr>
-        <p:spPr/>
-        <p:txBody>
-          <a:bodyPr/>
-          <a:lstStyle/>
-          <a:p>
-            <a:fld id="{CE58CB1E-F828-4F11-99E0-327109AF9DA4}" type="slidenum">
-              <a:rPr lang="de-DE" smtClean="0"/>
-              <a:pPr/>
-              <a:t>5</a:t>
-            </a:fld>
-            <a:endParaRPr lang="de-DE" dirty="0"/>
-          </a:p>
-        </p:txBody>
-      </p:sp>
-      <p:sp>
-        <p:nvSpPr>
           <p:cNvPr id="5" name="Fußzeilenplatzhalter 4">
             <a:extLst>
               <a:ext uri="{FF2B5EF4-FFF2-40B4-BE49-F238E27FC236}">
@@ -9674,8 +9560,8 @@
           <a:lstStyle/>
           <a:p>
             <a:r>
-              <a:rPr lang="de-DE" dirty="0"/>
-              <a:t>Michael Sorg</a:t>
+              <a:rPr lang="de-DE"/>
+              <a:t>NLP for Opinion Mining | Group 6 | Michael Sorg</a:t>
             </a:r>
             <a:endParaRPr lang="en-US" dirty="0"/>
           </a:p>
@@ -9727,27 +9613,6 @@
             </a:r>
           </a:p>
           <a:p>
-            <a:pPr marL="285750" indent="-285750">
-              <a:buFont typeface="Arial" panose="020B0604020202020204" pitchFamily="34" charset="0"/>
-              <a:buChar char="•"/>
-            </a:pPr>
-            <a:endParaRPr lang="en-GB" noProof="0" dirty="0"/>
-          </a:p>
-          <a:p>
-            <a:pPr marL="285750" indent="-285750">
-              <a:buFont typeface="Arial" panose="020B0604020202020204" pitchFamily="34" charset="0"/>
-              <a:buChar char="•"/>
-            </a:pPr>
-            <a:r>
-              <a:rPr lang="en-GB" noProof="0" dirty="0"/>
-              <a:t>Do Amazon Multilingual and Kaggle Fine Food overlap ?</a:t>
-            </a:r>
-          </a:p>
-          <a:p>
-            <a:pPr marL="285750" indent="-285750">
-              <a:buFont typeface="Arial" panose="020B0604020202020204" pitchFamily="34" charset="0"/>
-              <a:buChar char="•"/>
-            </a:pPr>
             <a:endParaRPr lang="en-GB" noProof="0" dirty="0"/>
           </a:p>
           <a:p>
@@ -9832,36 +9697,6 @@
       </p:sp>
       <p:sp>
         <p:nvSpPr>
-          <p:cNvPr id="4" name="Foliennummernplatzhalter 3">
-            <a:extLst>
-              <a:ext uri="{FF2B5EF4-FFF2-40B4-BE49-F238E27FC236}">
-                <a16:creationId xmlns:a16="http://schemas.microsoft.com/office/drawing/2014/main" id="{D1EFE47B-7124-4079-904B-98D17D74EB3B}"/>
-              </a:ext>
-            </a:extLst>
-          </p:cNvPr>
-          <p:cNvSpPr>
-            <a:spLocks noGrp="1"/>
-          </p:cNvSpPr>
-          <p:nvPr>
-            <p:ph type="sldNum" sz="quarter" idx="11"/>
-          </p:nvPr>
-        </p:nvSpPr>
-        <p:spPr/>
-        <p:txBody>
-          <a:bodyPr/>
-          <a:lstStyle/>
-          <a:p>
-            <a:fld id="{CE58CB1E-F828-4F11-99E0-327109AF9DA4}" type="slidenum">
-              <a:rPr lang="de-DE" smtClean="0"/>
-              <a:pPr/>
-              <a:t>6</a:t>
-            </a:fld>
-            <a:endParaRPr lang="de-DE" dirty="0"/>
-          </a:p>
-        </p:txBody>
-      </p:sp>
-      <p:sp>
-        <p:nvSpPr>
           <p:cNvPr id="5" name="Fußzeilenplatzhalter 4">
             <a:extLst>
               <a:ext uri="{FF2B5EF4-FFF2-40B4-BE49-F238E27FC236}">
@@ -9882,8 +9717,8 @@
           <a:lstStyle/>
           <a:p>
             <a:r>
-              <a:rPr lang="de-DE" dirty="0"/>
-              <a:t>Michael Sorg</a:t>
+              <a:rPr lang="de-DE"/>
+              <a:t>NLP for Opinion Mining | Group 6 | Michael Sorg</a:t>
             </a:r>
             <a:endParaRPr lang="en-US" dirty="0"/>
           </a:p>

--- a/presentations/0508.pptx
+++ b/presentations/0508.pptx
@@ -1,6 +1,6 @@
 
 <file path=ppt/presentation.xml><?xml version="1.0" encoding="utf-8"?>
-<p:presentation xmlns:a="http://schemas.openxmlformats.org/drawingml/2006/main" xmlns:r="http://schemas.openxmlformats.org/officeDocument/2006/relationships" xmlns:p="http://schemas.openxmlformats.org/presentationml/2006/main" showSpecialPlsOnTitleSld="0" saveSubsetFonts="1" autoCompressPictures="0">
+<p:presentation xmlns:a="http://schemas.openxmlformats.org/drawingml/2006/main" xmlns:r="http://schemas.openxmlformats.org/officeDocument/2006/relationships" xmlns:p="http://schemas.openxmlformats.org/presentationml/2006/main" saveSubsetFonts="1" autoCompressPictures="0">
   <p:sldMasterIdLst>
     <p:sldMasterId id="2147483663" r:id="rId1"/>
     <p:sldMasterId id="2147483668" r:id="rId2"/>
@@ -297,7 +297,7 @@
               <a:pPr>
                 <a:defRPr/>
               </a:pPr>
-              <a:t>08/05/2019</a:t>
+              <a:t>13/05/2019</a:t>
             </a:fld>
             <a:endParaRPr lang="en-GB" dirty="0"/>
           </a:p>
@@ -516,7 +516,7 @@
               <a:pPr>
                 <a:defRPr/>
               </a:pPr>
-              <a:t>08/05/2019</a:t>
+              <a:t>13/05/2019</a:t>
             </a:fld>
             <a:endParaRPr lang="en-GB"/>
           </a:p>
@@ -1176,7 +1176,7 @@
           <a:p>
             <a:r>
               <a:rPr lang="de-DE"/>
-              <a:t>NLP for Opinion Mining | Group 6 | Michael Sorg</a:t>
+              <a:t>NLP for Opinion Mining | Group 6 | Multi-Lingual Theme Prediction | Michael Sorg</a:t>
             </a:r>
             <a:endParaRPr lang="en-US" dirty="0"/>
           </a:p>
@@ -1303,7 +1303,7 @@
           <a:p>
             <a:r>
               <a:rPr lang="de-DE" noProof="0"/>
-              <a:t>NLP for Opinion Mining | Group 6 | Michael Sorg</a:t>
+              <a:t>NLP for Opinion Mining | Group 6 | Multi-Lingual Theme Prediction | Michael Sorg</a:t>
             </a:r>
           </a:p>
         </p:txBody>
@@ -1543,7 +1543,7 @@
           <a:p>
             <a:r>
               <a:rPr lang="de-DE"/>
-              <a:t>NLP for Opinion Mining | Group 6 | Michael Sorg</a:t>
+              <a:t>NLP for Opinion Mining | Group 6 | Multi-Lingual Theme Prediction | Michael Sorg</a:t>
             </a:r>
             <a:endParaRPr lang="en-US" dirty="0"/>
           </a:p>
@@ -1692,7 +1692,7 @@
           <a:p>
             <a:r>
               <a:rPr lang="de-DE"/>
-              <a:t>NLP for Opinion Mining | Group 6 | Michael Sorg</a:t>
+              <a:t>NLP for Opinion Mining | Group 6 | Multi-Lingual Theme Prediction | Michael Sorg</a:t>
             </a:r>
             <a:endParaRPr lang="en-US" dirty="0"/>
           </a:p>
@@ -1857,7 +1857,7 @@
           <a:p>
             <a:r>
               <a:rPr lang="de-DE"/>
-              <a:t>NLP for Opinion Mining | Group 6 | Michael Sorg</a:t>
+              <a:t>NLP for Opinion Mining | Group 6 | Multi-Lingual Theme Prediction | Michael Sorg</a:t>
             </a:r>
             <a:endParaRPr lang="en-US" dirty="0"/>
           </a:p>
@@ -2066,7 +2066,7 @@
           <a:p>
             <a:r>
               <a:rPr lang="de-DE"/>
-              <a:t>NLP for Opinion Mining | Group 6 | Michael Sorg</a:t>
+              <a:t>NLP for Opinion Mining | Group 6 | Multi-Lingual Theme Prediction | Michael Sorg</a:t>
             </a:r>
             <a:endParaRPr lang="en-US" dirty="0"/>
           </a:p>
@@ -2322,7 +2322,7 @@
           <a:p>
             <a:r>
               <a:rPr lang="de-DE"/>
-              <a:t>NLP for Opinion Mining | Group 6 | Michael Sorg</a:t>
+              <a:t>NLP for Opinion Mining | Group 6 | Multi-Lingual Theme Prediction | Michael Sorg</a:t>
             </a:r>
             <a:endParaRPr lang="en-US" dirty="0"/>
           </a:p>
@@ -2571,7 +2571,7 @@
           <a:p>
             <a:r>
               <a:rPr lang="de-DE"/>
-              <a:t>NLP for Opinion Mining | Group 6 | Michael Sorg</a:t>
+              <a:t>NLP for Opinion Mining | Group 6 | Multi-Lingual Theme Prediction | Michael Sorg</a:t>
             </a:r>
             <a:endParaRPr lang="en-US" dirty="0"/>
           </a:p>
@@ -2770,7 +2770,7 @@
           <a:p>
             <a:r>
               <a:rPr lang="de-DE"/>
-              <a:t>NLP for Opinion Mining | Group 6 | Michael Sorg</a:t>
+              <a:t>NLP for Opinion Mining | Group 6 | Multi-Lingual Theme Prediction | Michael Sorg</a:t>
             </a:r>
             <a:endParaRPr lang="en-US" dirty="0"/>
           </a:p>
@@ -2967,7 +2967,7 @@
           <a:p>
             <a:r>
               <a:rPr lang="de-DE"/>
-              <a:t>NLP for Opinion Mining | Group 6 | Michael Sorg</a:t>
+              <a:t>NLP for Opinion Mining | Group 6 | Multi-Lingual Theme Prediction | Michael Sorg</a:t>
             </a:r>
             <a:endParaRPr lang="en-US" dirty="0"/>
           </a:p>
@@ -3286,7 +3286,7 @@
           <a:p>
             <a:r>
               <a:rPr lang="de-DE"/>
-              <a:t>NLP for Opinion Mining | Group 6 | Michael Sorg</a:t>
+              <a:t>NLP for Opinion Mining | Group 6 | Multi-Lingual Theme Prediction | Michael Sorg</a:t>
             </a:r>
             <a:endParaRPr lang="en-US" dirty="0"/>
           </a:p>
@@ -3462,7 +3462,7 @@
           <a:p>
             <a:r>
               <a:rPr lang="de-DE" noProof="0"/>
-              <a:t>NLP for Opinion Mining | Group 6 | Michael Sorg</a:t>
+              <a:t>NLP for Opinion Mining | Group 6 | Multi-Lingual Theme Prediction | Michael Sorg</a:t>
             </a:r>
           </a:p>
         </p:txBody>
@@ -3727,7 +3727,7 @@
           <a:p>
             <a:r>
               <a:rPr lang="de-DE" noProof="0"/>
-              <a:t>NLP for Opinion Mining | Group 6 | Michael Sorg</a:t>
+              <a:t>NLP for Opinion Mining | Group 6 | Multi-Lingual Theme Prediction | Michael Sorg</a:t>
             </a:r>
           </a:p>
         </p:txBody>
@@ -3945,7 +3945,7 @@
           <a:p>
             <a:r>
               <a:rPr lang="de-DE"/>
-              <a:t>NLP for Opinion Mining | Group 6 | Michael Sorg</a:t>
+              <a:t>NLP for Opinion Mining | Group 6 | Multi-Lingual Theme Prediction | Michael Sorg</a:t>
             </a:r>
             <a:endParaRPr lang="en-US" dirty="0"/>
           </a:p>
@@ -4617,7 +4617,7 @@
           <a:p>
             <a:r>
               <a:rPr lang="de-DE"/>
-              <a:t>NLP for Opinion Mining | Group 6 | Michael Sorg</a:t>
+              <a:t>NLP for Opinion Mining | Group 6 | Multi-Lingual Theme Prediction | Michael Sorg</a:t>
             </a:r>
             <a:endParaRPr lang="en-US" dirty="0"/>
           </a:p>
@@ -5131,7 +5131,7 @@
           <a:p>
             <a:r>
               <a:rPr lang="de-DE"/>
-              <a:t>NLP for Opinion Mining | Group 6 | Michael Sorg</a:t>
+              <a:t>NLP for Opinion Mining | Group 6 | Multi-Lingual Theme Prediction | Michael Sorg</a:t>
             </a:r>
             <a:endParaRPr lang="en-US" dirty="0"/>
           </a:p>
@@ -5779,7 +5779,7 @@
           <a:p>
             <a:r>
               <a:rPr lang="de-DE"/>
-              <a:t>NLP for Opinion Mining | Group 6 | Michael Sorg</a:t>
+              <a:t>NLP for Opinion Mining | Group 6 | Multi-Lingual Theme Prediction | Michael Sorg</a:t>
             </a:r>
             <a:endParaRPr lang="en-US" dirty="0"/>
           </a:p>
@@ -6376,7 +6376,7 @@
           <a:p>
             <a:r>
               <a:rPr lang="de-DE"/>
-              <a:t>NLP for Opinion Mining | Group 6 | Michael Sorg</a:t>
+              <a:t>NLP for Opinion Mining | Group 6 | Multi-Lingual Theme Prediction | Michael Sorg</a:t>
             </a:r>
             <a:endParaRPr lang="en-US" dirty="0"/>
           </a:p>
@@ -6973,7 +6973,7 @@
           <a:p>
             <a:r>
               <a:rPr lang="de-DE"/>
-              <a:t>NLP for Opinion Mining | Group 6 | Michael Sorg</a:t>
+              <a:t>NLP for Opinion Mining | Group 6 | Multi-Lingual Theme Prediction | Michael Sorg</a:t>
             </a:r>
             <a:endParaRPr lang="en-US" dirty="0"/>
           </a:p>
@@ -7494,6 +7494,35 @@
           </a:p>
         </p:txBody>
       </p:sp>
+      <p:sp>
+        <p:nvSpPr>
+          <p:cNvPr id="2" name="Fußzeilenplatzhalter 1">
+            <a:extLst>
+              <a:ext uri="{FF2B5EF4-FFF2-40B4-BE49-F238E27FC236}">
+                <a16:creationId xmlns:a16="http://schemas.microsoft.com/office/drawing/2014/main" id="{747D1A66-B756-491A-ADC9-D1D3C51330BB}"/>
+              </a:ext>
+            </a:extLst>
+          </p:cNvPr>
+          <p:cNvSpPr>
+            <a:spLocks noGrp="1"/>
+          </p:cNvSpPr>
+          <p:nvPr>
+            <p:ph type="ftr" sz="quarter" idx="13"/>
+          </p:nvPr>
+        </p:nvSpPr>
+        <p:spPr/>
+        <p:txBody>
+          <a:bodyPr/>
+          <a:lstStyle/>
+          <a:p>
+            <a:r>
+              <a:rPr lang="de-DE"/>
+              <a:t>NLP for Opinion Mining | Group 6 | Multi-Lingual Theme Prediction | Michael Sorg</a:t>
+            </a:r>
+            <a:endParaRPr lang="en-US" dirty="0"/>
+          </a:p>
+        </p:txBody>
+      </p:sp>
     </p:spTree>
   </p:cSld>
   <p:clrMapOvr>
@@ -7574,8 +7603,32 @@
           <a:lstStyle/>
           <a:p>
             <a:r>
-              <a:rPr lang="de-DE"/>
-              <a:t>NLP for Opinion Mining | Group 6 | Michael Sorg</a:t>
+              <a:rPr lang="de-DE" dirty="0"/>
+              <a:t>NLP </a:t>
+            </a:r>
+            <a:r>
+              <a:rPr lang="de-DE" dirty="0" err="1"/>
+              <a:t>for</a:t>
+            </a:r>
+            <a:r>
+              <a:rPr lang="de-DE" dirty="0"/>
+              <a:t> Opinion Mining | Group 6 | Multi-Lingual </a:t>
+            </a:r>
+            <a:r>
+              <a:rPr lang="de-DE" dirty="0" err="1"/>
+              <a:t>Theme</a:t>
+            </a:r>
+            <a:r>
+              <a:rPr lang="de-DE" dirty="0"/>
+              <a:t> </a:t>
+            </a:r>
+            <a:r>
+              <a:rPr lang="de-DE" dirty="0" err="1"/>
+              <a:t>Prediction</a:t>
+            </a:r>
+            <a:r>
+              <a:rPr lang="de-DE" dirty="0"/>
+              <a:t> | Michael Sorg</a:t>
             </a:r>
             <a:endParaRPr lang="en-US" dirty="0"/>
           </a:p>
@@ -7769,7 +7822,7 @@
           <a:p>
             <a:r>
               <a:rPr lang="de-DE"/>
-              <a:t>NLP for Opinion Mining | Group 6 | Michael Sorg</a:t>
+              <a:t>NLP for Opinion Mining | Group 6 | Multi-Lingual Theme Prediction | Michael Sorg</a:t>
             </a:r>
             <a:endParaRPr lang="en-US" dirty="0"/>
           </a:p>
@@ -8619,7 +8672,7 @@
           <a:p>
             <a:r>
               <a:rPr lang="de-DE"/>
-              <a:t>NLP for Opinion Mining | Group 6 | Michael Sorg</a:t>
+              <a:t>NLP for Opinion Mining | Group 6 | Multi-Lingual Theme Prediction | Michael Sorg</a:t>
             </a:r>
             <a:endParaRPr lang="en-US" dirty="0"/>
           </a:p>
@@ -9561,7 +9614,7 @@
           <a:p>
             <a:r>
               <a:rPr lang="de-DE"/>
-              <a:t>NLP for Opinion Mining | Group 6 | Michael Sorg</a:t>
+              <a:t>NLP for Opinion Mining | Group 6 | Multi-Lingual Theme Prediction | Michael Sorg</a:t>
             </a:r>
             <a:endParaRPr lang="en-US" dirty="0"/>
           </a:p>
@@ -9718,7 +9771,7 @@
           <a:p>
             <a:r>
               <a:rPr lang="de-DE"/>
-              <a:t>NLP for Opinion Mining | Group 6 | Michael Sorg</a:t>
+              <a:t>NLP for Opinion Mining | Group 6 | Multi-Lingual Theme Prediction | Michael Sorg</a:t>
             </a:r>
             <a:endParaRPr lang="en-US" dirty="0"/>
           </a:p>
